--- a/reports/Wine Quality Analytics System.pptx
+++ b/reports/Wine Quality Analytics System.pptx
@@ -136,7 +136,7 @@
   <pc:docChgLst>
     <pc:chgData name="Oliver Sommer" userId="0b59b8127d68df9a" providerId="LiveId" clId="{09B66530-F92C-4EE2-B114-F11539C37C2A}"/>
     <pc:docChg chg="undo redo custSel addSld delSld modSld">
-      <pc:chgData name="Oliver Sommer" userId="0b59b8127d68df9a" providerId="LiveId" clId="{09B66530-F92C-4EE2-B114-F11539C37C2A}" dt="2025-05-15T08:47:34.813" v="10210" actId="1076"/>
+      <pc:chgData name="Oliver Sommer" userId="0b59b8127d68df9a" providerId="LiveId" clId="{09B66530-F92C-4EE2-B114-F11539C37C2A}" dt="2025-05-16T09:28:16.121" v="10225" actId="1076"/>
       <pc:docMkLst>
         <pc:docMk/>
       </pc:docMkLst>
@@ -219,7 +219,7 @@
         </pc:spChg>
       </pc:sldChg>
       <pc:sldChg chg="addSp delSp modSp mod modNotesTx">
-        <pc:chgData name="Oliver Sommer" userId="0b59b8127d68df9a" providerId="LiveId" clId="{09B66530-F92C-4EE2-B114-F11539C37C2A}" dt="2025-05-15T00:00:48.992" v="9036" actId="1076"/>
+        <pc:chgData name="Oliver Sommer" userId="0b59b8127d68df9a" providerId="LiveId" clId="{09B66530-F92C-4EE2-B114-F11539C37C2A}" dt="2025-05-16T09:28:16.121" v="10225" actId="1076"/>
         <pc:sldMkLst>
           <pc:docMk/>
           <pc:sldMk cId="2456050634" sldId="258"/>
@@ -232,36 +232,12 @@
             <ac:spMk id="2" creationId="{A5324470-CD52-E2C4-4F66-CA6EEB7ABDD8}"/>
           </ac:spMkLst>
         </pc:spChg>
-        <pc:spChg chg="add del mod">
-          <ac:chgData name="Oliver Sommer" userId="0b59b8127d68df9a" providerId="LiveId" clId="{09B66530-F92C-4EE2-B114-F11539C37C2A}" dt="2025-05-14T19:42:20.935" v="5938" actId="478"/>
-          <ac:spMkLst>
-            <pc:docMk/>
-            <pc:sldMk cId="2456050634" sldId="258"/>
-            <ac:spMk id="3" creationId="{B71F31B9-E355-9659-32D7-E15F751A4201}"/>
-          </ac:spMkLst>
-        </pc:spChg>
         <pc:spChg chg="mod">
           <ac:chgData name="Oliver Sommer" userId="0b59b8127d68df9a" providerId="LiveId" clId="{09B66530-F92C-4EE2-B114-F11539C37C2A}" dt="2025-05-14T21:30:26.588" v="7672" actId="1076"/>
           <ac:spMkLst>
             <pc:docMk/>
             <pc:sldMk cId="2456050634" sldId="258"/>
             <ac:spMk id="4" creationId="{2D2F6428-9932-55E9-0F29-63958092EC7B}"/>
-          </ac:spMkLst>
-        </pc:spChg>
-        <pc:spChg chg="add del mod">
-          <ac:chgData name="Oliver Sommer" userId="0b59b8127d68df9a" providerId="LiveId" clId="{09B66530-F92C-4EE2-B114-F11539C37C2A}" dt="2025-05-14T19:34:27.779" v="5852" actId="478"/>
-          <ac:spMkLst>
-            <pc:docMk/>
-            <pc:sldMk cId="2456050634" sldId="258"/>
-            <ac:spMk id="13" creationId="{352106E5-1041-0D73-CA1D-D15CF37C6258}"/>
-          </ac:spMkLst>
-        </pc:spChg>
-        <pc:spChg chg="add del mod">
-          <ac:chgData name="Oliver Sommer" userId="0b59b8127d68df9a" providerId="LiveId" clId="{09B66530-F92C-4EE2-B114-F11539C37C2A}" dt="2025-05-14T19:34:29.093" v="5853" actId="478"/>
-          <ac:spMkLst>
-            <pc:docMk/>
-            <pc:sldMk cId="2456050634" sldId="258"/>
-            <ac:spMk id="14" creationId="{03A51091-913F-91DE-FCB1-16758319A10C}"/>
           </ac:spMkLst>
         </pc:spChg>
         <pc:spChg chg="add mod">
@@ -273,7 +249,7 @@
           </ac:spMkLst>
         </pc:spChg>
         <pc:spChg chg="add mod">
-          <ac:chgData name="Oliver Sommer" userId="0b59b8127d68df9a" providerId="LiveId" clId="{09B66530-F92C-4EE2-B114-F11539C37C2A}" dt="2025-05-15T00:00:48.992" v="9036" actId="1076"/>
+          <ac:chgData name="Oliver Sommer" userId="0b59b8127d68df9a" providerId="LiveId" clId="{09B66530-F92C-4EE2-B114-F11539C37C2A}" dt="2025-05-16T09:28:05.210" v="10212" actId="14100"/>
           <ac:spMkLst>
             <pc:docMk/>
             <pc:sldMk cId="2456050634" sldId="258"/>
@@ -286,14 +262,6 @@
             <pc:docMk/>
             <pc:sldMk cId="2456050634" sldId="258"/>
             <ac:spMk id="42" creationId="{51E6854B-E78D-BBCB-823C-21EFDD4F1679}"/>
-          </ac:spMkLst>
-        </pc:spChg>
-        <pc:spChg chg="add del mod">
-          <ac:chgData name="Oliver Sommer" userId="0b59b8127d68df9a" providerId="LiveId" clId="{09B66530-F92C-4EE2-B114-F11539C37C2A}" dt="2025-05-14T19:40:21.964" v="5906" actId="478"/>
-          <ac:spMkLst>
-            <pc:docMk/>
-            <pc:sldMk cId="2456050634" sldId="258"/>
-            <ac:spMk id="43" creationId="{18189922-AA77-4690-7C68-2AC84C41BD1D}"/>
           </ac:spMkLst>
         </pc:spChg>
         <pc:spChg chg="add mod">
@@ -320,16 +288,8 @@
             <ac:spMk id="60" creationId="{0C24C38F-BB87-1E16-6AAE-AF37379274DD}"/>
           </ac:spMkLst>
         </pc:spChg>
-        <pc:spChg chg="add del mod">
-          <ac:chgData name="Oliver Sommer" userId="0b59b8127d68df9a" providerId="LiveId" clId="{09B66530-F92C-4EE2-B114-F11539C37C2A}" dt="2025-05-14T19:42:24.513" v="5939" actId="478"/>
-          <ac:spMkLst>
-            <pc:docMk/>
-            <pc:sldMk cId="2456050634" sldId="258"/>
-            <ac:spMk id="62" creationId="{BBC6A898-14DC-186F-A5A4-B2BF58E73F3E}"/>
-          </ac:spMkLst>
-        </pc:spChg>
         <pc:spChg chg="add mod">
-          <ac:chgData name="Oliver Sommer" userId="0b59b8127d68df9a" providerId="LiveId" clId="{09B66530-F92C-4EE2-B114-F11539C37C2A}" dt="2025-05-14T21:32:29.549" v="7866" actId="1076"/>
+          <ac:chgData name="Oliver Sommer" userId="0b59b8127d68df9a" providerId="LiveId" clId="{09B66530-F92C-4EE2-B114-F11539C37C2A}" dt="2025-05-16T09:28:16.121" v="10225" actId="1076"/>
           <ac:spMkLst>
             <pc:docMk/>
             <pc:sldMk cId="2456050634" sldId="258"/>
@@ -342,62 +302,6 @@
             <pc:docMk/>
             <pc:sldMk cId="2456050634" sldId="258"/>
             <ac:picMk id="6" creationId="{876065E9-3B39-0A30-3465-8BB9776EE9C4}"/>
-          </ac:picMkLst>
-        </pc:picChg>
-        <pc:picChg chg="add del mod">
-          <ac:chgData name="Oliver Sommer" userId="0b59b8127d68df9a" providerId="LiveId" clId="{09B66530-F92C-4EE2-B114-F11539C37C2A}" dt="2025-05-14T15:34:50.623" v="5185" actId="478"/>
-          <ac:picMkLst>
-            <pc:docMk/>
-            <pc:sldMk cId="2456050634" sldId="258"/>
-            <ac:picMk id="8" creationId="{48FF87DB-2452-C350-7CDF-0200D6A3E79F}"/>
-          </ac:picMkLst>
-        </pc:picChg>
-        <pc:picChg chg="add del mod ord">
-          <ac:chgData name="Oliver Sommer" userId="0b59b8127d68df9a" providerId="LiveId" clId="{09B66530-F92C-4EE2-B114-F11539C37C2A}" dt="2025-05-14T15:35:47.941" v="5195" actId="478"/>
-          <ac:picMkLst>
-            <pc:docMk/>
-            <pc:sldMk cId="2456050634" sldId="258"/>
-            <ac:picMk id="10" creationId="{43D01CCD-B014-8E49-228C-4700EF053A6C}"/>
-          </ac:picMkLst>
-        </pc:picChg>
-        <pc:picChg chg="add del mod ord">
-          <ac:chgData name="Oliver Sommer" userId="0b59b8127d68df9a" providerId="LiveId" clId="{09B66530-F92C-4EE2-B114-F11539C37C2A}" dt="2025-05-14T16:10:56.056" v="5339" actId="478"/>
-          <ac:picMkLst>
-            <pc:docMk/>
-            <pc:sldMk cId="2456050634" sldId="258"/>
-            <ac:picMk id="12" creationId="{F372A1C8-4865-0BA3-A73E-3219ADBA7425}"/>
-          </ac:picMkLst>
-        </pc:picChg>
-        <pc:picChg chg="add del mod">
-          <ac:chgData name="Oliver Sommer" userId="0b59b8127d68df9a" providerId="LiveId" clId="{09B66530-F92C-4EE2-B114-F11539C37C2A}" dt="2025-05-14T15:57:29.595" v="5317" actId="478"/>
-          <ac:picMkLst>
-            <pc:docMk/>
-            <pc:sldMk cId="2456050634" sldId="258"/>
-            <ac:picMk id="16" creationId="{F41DC24F-6B75-16A6-9CC3-3935B2D5B529}"/>
-          </ac:picMkLst>
-        </pc:picChg>
-        <pc:picChg chg="add del mod">
-          <ac:chgData name="Oliver Sommer" userId="0b59b8127d68df9a" providerId="LiveId" clId="{09B66530-F92C-4EE2-B114-F11539C37C2A}" dt="2025-05-14T16:03:55.631" v="5321" actId="478"/>
-          <ac:picMkLst>
-            <pc:docMk/>
-            <pc:sldMk cId="2456050634" sldId="258"/>
-            <ac:picMk id="18" creationId="{63928840-D192-F8E2-837B-129ACEE93E8D}"/>
-          </ac:picMkLst>
-        </pc:picChg>
-        <pc:picChg chg="add del mod">
-          <ac:chgData name="Oliver Sommer" userId="0b59b8127d68df9a" providerId="LiveId" clId="{09B66530-F92C-4EE2-B114-F11539C37C2A}" dt="2025-05-14T16:04:00.991" v="5323" actId="478"/>
-          <ac:picMkLst>
-            <pc:docMk/>
-            <pc:sldMk cId="2456050634" sldId="258"/>
-            <ac:picMk id="20" creationId="{82086CBA-A78A-6842-C9A2-2D69CE09F2DC}"/>
-          </ac:picMkLst>
-        </pc:picChg>
-        <pc:picChg chg="add del mod">
-          <ac:chgData name="Oliver Sommer" userId="0b59b8127d68df9a" providerId="LiveId" clId="{09B66530-F92C-4EE2-B114-F11539C37C2A}" dt="2025-05-14T16:12:33.256" v="5384" actId="478"/>
-          <ac:picMkLst>
-            <pc:docMk/>
-            <pc:sldMk cId="2456050634" sldId="258"/>
-            <ac:picMk id="22" creationId="{73BF9377-2331-F46E-E289-4484F9337232}"/>
           </ac:picMkLst>
         </pc:picChg>
         <pc:picChg chg="add mod ord">
@@ -414,14 +318,6 @@
             <pc:docMk/>
             <pc:sldMk cId="2456050634" sldId="258"/>
             <ac:picMk id="26" creationId="{099ABB49-FECC-2871-3396-8D7EF5985861}"/>
-          </ac:picMkLst>
-        </pc:picChg>
-        <pc:picChg chg="add del mod">
-          <ac:chgData name="Oliver Sommer" userId="0b59b8127d68df9a" providerId="LiveId" clId="{09B66530-F92C-4EE2-B114-F11539C37C2A}" dt="2025-05-14T19:40:12.421" v="5901" actId="478"/>
-          <ac:picMkLst>
-            <pc:docMk/>
-            <pc:sldMk cId="2456050634" sldId="258"/>
-            <ac:picMk id="29" creationId="{7DE6B287-F230-1280-E15F-05D52ABFADB1}"/>
           </ac:picMkLst>
         </pc:picChg>
         <pc:picChg chg="add mod">
@@ -456,22 +352,6 @@
             <ac:picMk id="34" creationId="{646A247D-2765-6CE8-0BF3-B06A45AEE4BC}"/>
           </ac:picMkLst>
         </pc:picChg>
-        <pc:picChg chg="add del mod">
-          <ac:chgData name="Oliver Sommer" userId="0b59b8127d68df9a" providerId="LiveId" clId="{09B66530-F92C-4EE2-B114-F11539C37C2A}" dt="2025-05-14T19:32:08.326" v="5813" actId="478"/>
-          <ac:picMkLst>
-            <pc:docMk/>
-            <pc:sldMk cId="2456050634" sldId="258"/>
-            <ac:picMk id="36" creationId="{DAD6B4CF-5EC6-1E49-672E-37C0E8FAB014}"/>
-          </ac:picMkLst>
-        </pc:picChg>
-        <pc:picChg chg="add del mod">
-          <ac:chgData name="Oliver Sommer" userId="0b59b8127d68df9a" providerId="LiveId" clId="{09B66530-F92C-4EE2-B114-F11539C37C2A}" dt="2025-05-14T19:40:11.670" v="5900" actId="478"/>
-          <ac:picMkLst>
-            <pc:docMk/>
-            <pc:sldMk cId="2456050634" sldId="258"/>
-            <ac:picMk id="37" creationId="{893115AD-2C2C-731A-3D3E-080713B0D3D5}"/>
-          </ac:picMkLst>
-        </pc:picChg>
         <pc:picChg chg="add mod">
           <ac:chgData name="Oliver Sommer" userId="0b59b8127d68df9a" providerId="LiveId" clId="{09B66530-F92C-4EE2-B114-F11539C37C2A}" dt="2025-05-14T21:30:20.382" v="7668" actId="1076"/>
           <ac:picMkLst>
@@ -494,38 +374,6 @@
             <pc:docMk/>
             <pc:sldMk cId="2456050634" sldId="258"/>
             <ac:picMk id="50" creationId="{ECB15F89-5237-8F7E-7BAB-B2B5E894385A}"/>
-          </ac:picMkLst>
-        </pc:picChg>
-        <pc:picChg chg="add del mod">
-          <ac:chgData name="Oliver Sommer" userId="0b59b8127d68df9a" providerId="LiveId" clId="{09B66530-F92C-4EE2-B114-F11539C37C2A}" dt="2025-05-14T19:41:13.529" v="5926" actId="478"/>
-          <ac:picMkLst>
-            <pc:docMk/>
-            <pc:sldMk cId="2456050634" sldId="258"/>
-            <ac:picMk id="52" creationId="{27BFCC5D-5BA8-B77A-2555-6BD8D64BDC8B}"/>
-          </ac:picMkLst>
-        </pc:picChg>
-        <pc:picChg chg="add del mod">
-          <ac:chgData name="Oliver Sommer" userId="0b59b8127d68df9a" providerId="LiveId" clId="{09B66530-F92C-4EE2-B114-F11539C37C2A}" dt="2025-05-14T19:41:10.331" v="5923" actId="478"/>
-          <ac:picMkLst>
-            <pc:docMk/>
-            <pc:sldMk cId="2456050634" sldId="258"/>
-            <ac:picMk id="54" creationId="{82620F20-1E13-B1EE-7570-E3A1D11DE2CE}"/>
-          </ac:picMkLst>
-        </pc:picChg>
-        <pc:picChg chg="add del mod">
-          <ac:chgData name="Oliver Sommer" userId="0b59b8127d68df9a" providerId="LiveId" clId="{09B66530-F92C-4EE2-B114-F11539C37C2A}" dt="2025-05-14T19:41:09.117" v="5922" actId="478"/>
-          <ac:picMkLst>
-            <pc:docMk/>
-            <pc:sldMk cId="2456050634" sldId="258"/>
-            <ac:picMk id="56" creationId="{2AA7F471-756E-7326-96E1-33D8E5FC9871}"/>
-          </ac:picMkLst>
-        </pc:picChg>
-        <pc:picChg chg="add del mod">
-          <ac:chgData name="Oliver Sommer" userId="0b59b8127d68df9a" providerId="LiveId" clId="{09B66530-F92C-4EE2-B114-F11539C37C2A}" dt="2025-05-14T19:39:44.664" v="5891" actId="478"/>
-          <ac:picMkLst>
-            <pc:docMk/>
-            <pc:sldMk cId="2456050634" sldId="258"/>
-            <ac:picMk id="58" creationId="{3CEA05CD-ADB4-7D9E-58E1-01EAA3CB207A}"/>
           </ac:picMkLst>
         </pc:picChg>
       </pc:sldChg>
@@ -575,22 +423,6 @@
             <ac:spMk id="34" creationId="{F5100273-4988-3044-C8AD-3E5960BF2AF4}"/>
           </ac:spMkLst>
         </pc:spChg>
-        <pc:spChg chg="add del">
-          <ac:chgData name="Oliver Sommer" userId="0b59b8127d68df9a" providerId="LiveId" clId="{09B66530-F92C-4EE2-B114-F11539C37C2A}" dt="2025-05-14T19:59:45.002" v="6533" actId="22"/>
-          <ac:spMkLst>
-            <pc:docMk/>
-            <pc:sldMk cId="3533390107" sldId="259"/>
-            <ac:spMk id="36" creationId="{EE6E0E39-79E9-F1A7-DF6E-5C87A4D84A42}"/>
-          </ac:spMkLst>
-        </pc:spChg>
-        <pc:spChg chg="add del mod">
-          <ac:chgData name="Oliver Sommer" userId="0b59b8127d68df9a" providerId="LiveId" clId="{09B66530-F92C-4EE2-B114-F11539C37C2A}" dt="2025-05-14T20:06:34.887" v="6776" actId="478"/>
-          <ac:spMkLst>
-            <pc:docMk/>
-            <pc:sldMk cId="3533390107" sldId="259"/>
-            <ac:spMk id="37" creationId="{88E0183A-0A93-1DAC-AD80-E069E8B38B6B}"/>
-          </ac:spMkLst>
-        </pc:spChg>
         <pc:spChg chg="add mod">
           <ac:chgData name="Oliver Sommer" userId="0b59b8127d68df9a" providerId="LiveId" clId="{09B66530-F92C-4EE2-B114-F11539C37C2A}" dt="2025-05-15T08:47:34.813" v="10210" actId="1076"/>
           <ac:spMkLst>
@@ -599,38 +431,6 @@
             <ac:spMk id="38" creationId="{2EB65596-9E61-1849-F8D1-065D1DF9BF22}"/>
           </ac:spMkLst>
         </pc:spChg>
-        <pc:picChg chg="add del mod">
-          <ac:chgData name="Oliver Sommer" userId="0b59b8127d68df9a" providerId="LiveId" clId="{09B66530-F92C-4EE2-B114-F11539C37C2A}" dt="2025-05-14T19:23:40.732" v="5773" actId="21"/>
-          <ac:picMkLst>
-            <pc:docMk/>
-            <pc:sldMk cId="3533390107" sldId="259"/>
-            <ac:picMk id="11" creationId="{7DE6B287-F230-1280-E15F-05D52ABFADB1}"/>
-          </ac:picMkLst>
-        </pc:picChg>
-        <pc:picChg chg="add del mod">
-          <ac:chgData name="Oliver Sommer" userId="0b59b8127d68df9a" providerId="LiveId" clId="{09B66530-F92C-4EE2-B114-F11539C37C2A}" dt="2025-05-14T19:23:40.732" v="5773" actId="21"/>
-          <ac:picMkLst>
-            <pc:docMk/>
-            <pc:sldMk cId="3533390107" sldId="259"/>
-            <ac:picMk id="13" creationId="{54D54A26-3F9E-1C67-2C15-2BBC95AEDD2D}"/>
-          </ac:picMkLst>
-        </pc:picChg>
-        <pc:picChg chg="add del mod">
-          <ac:chgData name="Oliver Sommer" userId="0b59b8127d68df9a" providerId="LiveId" clId="{09B66530-F92C-4EE2-B114-F11539C37C2A}" dt="2025-05-14T19:23:40.732" v="5773" actId="21"/>
-          <ac:picMkLst>
-            <pc:docMk/>
-            <pc:sldMk cId="3533390107" sldId="259"/>
-            <ac:picMk id="15" creationId="{9723BB37-7C10-07F6-3657-206CEE90505A}"/>
-          </ac:picMkLst>
-        </pc:picChg>
-        <pc:picChg chg="add del mod">
-          <ac:chgData name="Oliver Sommer" userId="0b59b8127d68df9a" providerId="LiveId" clId="{09B66530-F92C-4EE2-B114-F11539C37C2A}" dt="2025-05-14T19:23:40.732" v="5773" actId="21"/>
-          <ac:picMkLst>
-            <pc:docMk/>
-            <pc:sldMk cId="3533390107" sldId="259"/>
-            <ac:picMk id="17" creationId="{13469D46-4C39-38E7-3A36-2167158C21E7}"/>
-          </ac:picMkLst>
-        </pc:picChg>
         <pc:picChg chg="add mod">
           <ac:chgData name="Oliver Sommer" userId="0b59b8127d68df9a" providerId="LiveId" clId="{09B66530-F92C-4EE2-B114-F11539C37C2A}" dt="2025-05-14T23:40:51.816" v="8507" actId="1076"/>
           <ac:picMkLst>
@@ -645,22 +445,6 @@
             <pc:docMk/>
             <pc:sldMk cId="3533390107" sldId="259"/>
             <ac:picMk id="21" creationId="{2717F2CF-B965-E84E-190F-5B08490FB312}"/>
-          </ac:picMkLst>
-        </pc:picChg>
-        <pc:picChg chg="add del mod">
-          <ac:chgData name="Oliver Sommer" userId="0b59b8127d68df9a" providerId="LiveId" clId="{09B66530-F92C-4EE2-B114-F11539C37C2A}" dt="2025-05-14T19:58:26.127" v="6498" actId="478"/>
-          <ac:picMkLst>
-            <pc:docMk/>
-            <pc:sldMk cId="3533390107" sldId="259"/>
-            <ac:picMk id="23" creationId="{3A734DC2-3695-E632-38A3-7F3267E05B40}"/>
-          </ac:picMkLst>
-        </pc:picChg>
-        <pc:picChg chg="add del mod">
-          <ac:chgData name="Oliver Sommer" userId="0b59b8127d68df9a" providerId="LiveId" clId="{09B66530-F92C-4EE2-B114-F11539C37C2A}" dt="2025-05-14T19:58:27.184" v="6499" actId="478"/>
-          <ac:picMkLst>
-            <pc:docMk/>
-            <pc:sldMk cId="3533390107" sldId="259"/>
-            <ac:picMk id="25" creationId="{FA18F90D-449B-54F4-0D7D-8A1E28C84E34}"/>
           </ac:picMkLst>
         </pc:picChg>
         <pc:picChg chg="add mod">
@@ -685,14 +469,6 @@
             <pc:docMk/>
             <pc:sldMk cId="3533390107" sldId="259"/>
             <ac:picMk id="31" creationId="{2BDC85A6-4958-54F0-FFBE-3A4A0AE2331C}"/>
-          </ac:picMkLst>
-        </pc:picChg>
-        <pc:picChg chg="add del mod">
-          <ac:chgData name="Oliver Sommer" userId="0b59b8127d68df9a" providerId="LiveId" clId="{09B66530-F92C-4EE2-B114-F11539C37C2A}" dt="2025-05-14T19:58:28.340" v="6501" actId="478"/>
-          <ac:picMkLst>
-            <pc:docMk/>
-            <pc:sldMk cId="3533390107" sldId="259"/>
-            <ac:picMk id="33" creationId="{EC8C78AF-91B3-B024-E65C-D7022132C6F3}"/>
           </ac:picMkLst>
         </pc:picChg>
       </pc:sldChg>
@@ -731,30 +507,6 @@
             <pc:docMk/>
             <pc:sldMk cId="1690855234" sldId="261"/>
             <ac:spMk id="2" creationId="{76A8C6E1-4B79-BF8B-5875-20C24F38C8C8}"/>
-          </ac:spMkLst>
-        </pc:spChg>
-        <pc:spChg chg="del mod">
-          <ac:chgData name="Oliver Sommer" userId="0b59b8127d68df9a" providerId="LiveId" clId="{09B66530-F92C-4EE2-B114-F11539C37C2A}" dt="2025-05-14T20:10:12.455" v="6796"/>
-          <ac:spMkLst>
-            <pc:docMk/>
-            <pc:sldMk cId="1690855234" sldId="261"/>
-            <ac:spMk id="3" creationId="{62BBC04A-FA2A-7143-27C6-CDFD399E49E5}"/>
-          </ac:spMkLst>
-        </pc:spChg>
-        <pc:spChg chg="del mod">
-          <ac:chgData name="Oliver Sommer" userId="0b59b8127d68df9a" providerId="LiveId" clId="{09B66530-F92C-4EE2-B114-F11539C37C2A}" dt="2025-05-14T23:57:08.929" v="8778" actId="478"/>
-          <ac:spMkLst>
-            <pc:docMk/>
-            <pc:sldMk cId="1690855234" sldId="261"/>
-            <ac:spMk id="6" creationId="{742352D6-D70E-EE5B-CBFE-9D535B17AA5B}"/>
-          </ac:spMkLst>
-        </pc:spChg>
-        <pc:spChg chg="add del">
-          <ac:chgData name="Oliver Sommer" userId="0b59b8127d68df9a" providerId="LiveId" clId="{09B66530-F92C-4EE2-B114-F11539C37C2A}" dt="2025-05-14T20:12:54.890" v="6825" actId="478"/>
-          <ac:spMkLst>
-            <pc:docMk/>
-            <pc:sldMk cId="1690855234" sldId="261"/>
-            <ac:spMk id="10" creationId="{61E21B46-0BC1-6591-ABF7-1A5B08C44603}"/>
           </ac:spMkLst>
         </pc:spChg>
         <pc:spChg chg="add mod">
@@ -803,14 +555,6 @@
             <pc:docMk/>
             <pc:sldMk cId="1690855234" sldId="261"/>
             <ac:spMk id="22" creationId="{6ED2E598-59E4-9C43-CFDD-81AEDEFFF639}"/>
-          </ac:spMkLst>
-        </pc:spChg>
-        <pc:spChg chg="add del mod">
-          <ac:chgData name="Oliver Sommer" userId="0b59b8127d68df9a" providerId="LiveId" clId="{09B66530-F92C-4EE2-B114-F11539C37C2A}" dt="2025-05-14T21:41:00.120" v="8108" actId="478"/>
-          <ac:spMkLst>
-            <pc:docMk/>
-            <pc:sldMk cId="1690855234" sldId="261"/>
-            <ac:spMk id="23" creationId="{BF0AE34B-6EF5-CE27-4482-A4FD42DC8723}"/>
           </ac:spMkLst>
         </pc:spChg>
         <pc:spChg chg="add mod">
@@ -972,38 +716,6 @@
             <ac:spMk id="7" creationId="{2684C617-BEE8-CEF4-3D64-FA248A39D6DD}"/>
           </ac:spMkLst>
         </pc:spChg>
-        <pc:spChg chg="add del mod ord">
-          <ac:chgData name="Oliver Sommer" userId="0b59b8127d68df9a" providerId="LiveId" clId="{09B66530-F92C-4EE2-B114-F11539C37C2A}" dt="2025-05-14T22:08:33.120" v="8307" actId="700"/>
-          <ac:spMkLst>
-            <pc:docMk/>
-            <pc:sldMk cId="3012898778" sldId="262"/>
-            <ac:spMk id="8" creationId="{FEE5676A-6E04-F2E3-1156-E3E51C772971}"/>
-          </ac:spMkLst>
-        </pc:spChg>
-        <pc:spChg chg="add del mod ord">
-          <ac:chgData name="Oliver Sommer" userId="0b59b8127d68df9a" providerId="LiveId" clId="{09B66530-F92C-4EE2-B114-F11539C37C2A}" dt="2025-05-14T22:08:33.120" v="8307" actId="700"/>
-          <ac:spMkLst>
-            <pc:docMk/>
-            <pc:sldMk cId="3012898778" sldId="262"/>
-            <ac:spMk id="9" creationId="{2E04C3ED-1090-3997-32F3-CDB5ED7B7340}"/>
-          </ac:spMkLst>
-        </pc:spChg>
-        <pc:spChg chg="add del mod ord">
-          <ac:chgData name="Oliver Sommer" userId="0b59b8127d68df9a" providerId="LiveId" clId="{09B66530-F92C-4EE2-B114-F11539C37C2A}" dt="2025-05-14T22:08:33.120" v="8307" actId="700"/>
-          <ac:spMkLst>
-            <pc:docMk/>
-            <pc:sldMk cId="3012898778" sldId="262"/>
-            <ac:spMk id="10" creationId="{6CEC136A-0622-1FB6-F0C7-CCA4298EB7D6}"/>
-          </ac:spMkLst>
-        </pc:spChg>
-        <pc:spChg chg="add del mod ord">
-          <ac:chgData name="Oliver Sommer" userId="0b59b8127d68df9a" providerId="LiveId" clId="{09B66530-F92C-4EE2-B114-F11539C37C2A}" dt="2025-05-14T22:08:33.120" v="8307" actId="700"/>
-          <ac:spMkLst>
-            <pc:docMk/>
-            <pc:sldMk cId="3012898778" sldId="262"/>
-            <ac:spMk id="11" creationId="{918D269C-85ED-1CBB-46CC-7A2D99073C94}"/>
-          </ac:spMkLst>
-        </pc:spChg>
         <pc:spChg chg="add mod">
           <ac:chgData name="Oliver Sommer" userId="0b59b8127d68df9a" providerId="LiveId" clId="{09B66530-F92C-4EE2-B114-F11539C37C2A}" dt="2025-05-15T00:55:25.298" v="10153" actId="20577"/>
           <ac:spMkLst>
@@ -1091,14 +803,6 @@
             <ac:spMk id="2" creationId="{C50FE4D0-D7A3-6564-5DEA-FDCB1DFDA7F6}"/>
           </ac:spMkLst>
         </pc:spChg>
-        <pc:spChg chg="del mod ord">
-          <ac:chgData name="Oliver Sommer" userId="0b59b8127d68df9a" providerId="LiveId" clId="{09B66530-F92C-4EE2-B114-F11539C37C2A}" dt="2025-05-14T22:08:39.715" v="8308" actId="700"/>
-          <ac:spMkLst>
-            <pc:docMk/>
-            <pc:sldMk cId="1619119041" sldId="263"/>
-            <ac:spMk id="3" creationId="{C37511D8-D6E8-D603-A452-1613D1A45728}"/>
-          </ac:spMkLst>
-        </pc:spChg>
         <pc:spChg chg="mod ord">
           <ac:chgData name="Oliver Sommer" userId="0b59b8127d68df9a" providerId="LiveId" clId="{09B66530-F92C-4EE2-B114-F11539C37C2A}" dt="2025-05-14T22:08:44.083" v="8309" actId="700"/>
           <ac:spMkLst>
@@ -1121,22 +825,6 @@
             <pc:docMk/>
             <pc:sldMk cId="1619119041" sldId="263"/>
             <ac:spMk id="7" creationId="{BD6D58D6-41EA-15B6-BE23-D0E4602321E1}"/>
-          </ac:spMkLst>
-        </pc:spChg>
-        <pc:spChg chg="add del mod ord">
-          <ac:chgData name="Oliver Sommer" userId="0b59b8127d68df9a" providerId="LiveId" clId="{09B66530-F92C-4EE2-B114-F11539C37C2A}" dt="2025-05-14T22:08:44.083" v="8309" actId="700"/>
-          <ac:spMkLst>
-            <pc:docMk/>
-            <pc:sldMk cId="1619119041" sldId="263"/>
-            <ac:spMk id="8" creationId="{1E459E56-3B17-A0FE-354A-09C7E270EDFC}"/>
-          </ac:spMkLst>
-        </pc:spChg>
-        <pc:spChg chg="add del mod ord">
-          <ac:chgData name="Oliver Sommer" userId="0b59b8127d68df9a" providerId="LiveId" clId="{09B66530-F92C-4EE2-B114-F11539C37C2A}" dt="2025-05-14T22:08:44.083" v="8309" actId="700"/>
-          <ac:spMkLst>
-            <pc:docMk/>
-            <pc:sldMk cId="1619119041" sldId="263"/>
-            <ac:spMk id="9" creationId="{911D9A0F-9D96-C4A8-0BD5-1B710A686B1A}"/>
           </ac:spMkLst>
         </pc:spChg>
         <pc:spChg chg="add mod ord">
@@ -1218,22 +906,6 @@
           <pc:docMk/>
           <pc:sldMk cId="1017727839" sldId="264"/>
         </pc:sldMkLst>
-        <pc:spChg chg="mod">
-          <ac:chgData name="Oliver Sommer" userId="0b59b8127d68df9a" providerId="LiveId" clId="{09B66530-F92C-4EE2-B114-F11539C37C2A}" dt="2025-05-14T19:16:23.442" v="5741"/>
-          <ac:spMkLst>
-            <pc:docMk/>
-            <pc:sldMk cId="1017727839" sldId="264"/>
-            <ac:spMk id="2" creationId="{CC7293E0-6720-8116-D2E5-573CB4D6A581}"/>
-          </ac:spMkLst>
-        </pc:spChg>
-        <pc:picChg chg="add mod">
-          <ac:chgData name="Oliver Sommer" userId="0b59b8127d68df9a" providerId="LiveId" clId="{09B66530-F92C-4EE2-B114-F11539C37C2A}" dt="2025-05-14T19:16:21.317" v="5738" actId="1076"/>
-          <ac:picMkLst>
-            <pc:docMk/>
-            <pc:sldMk cId="1017727839" sldId="264"/>
-            <ac:picMk id="7" creationId="{4F550F55-A178-DCC7-629C-051A3C4B27FC}"/>
-          </ac:picMkLst>
-        </pc:picChg>
       </pc:sldChg>
       <pc:sldChg chg="addSp delSp modSp new mod modClrScheme delAnim modAnim chgLayout">
         <pc:chgData name="Oliver Sommer" userId="0b59b8127d68df9a" providerId="LiveId" clId="{09B66530-F92C-4EE2-B114-F11539C37C2A}" dt="2025-05-14T23:51:01.494" v="8768"/>
@@ -1247,14 +919,6 @@
             <pc:docMk/>
             <pc:sldMk cId="1080525341" sldId="264"/>
             <ac:spMk id="2" creationId="{26C0C652-3384-ED5D-7C19-7237D2F4E648}"/>
-          </ac:spMkLst>
-        </pc:spChg>
-        <pc:spChg chg="del mod ord">
-          <ac:chgData name="Oliver Sommer" userId="0b59b8127d68df9a" providerId="LiveId" clId="{09B66530-F92C-4EE2-B114-F11539C37C2A}" dt="2025-05-14T22:13:07.965" v="8330" actId="700"/>
-          <ac:spMkLst>
-            <pc:docMk/>
-            <pc:sldMk cId="1080525341" sldId="264"/>
-            <ac:spMk id="3" creationId="{BFCCB255-D80B-C409-E03A-1D3BDC3348F1}"/>
           </ac:spMkLst>
         </pc:spChg>
         <pc:spChg chg="mod ord">
@@ -1281,60 +945,12 @@
             <ac:spMk id="6" creationId="{F0CCA04E-9988-7DEE-A41C-63696392787C}"/>
           </ac:spMkLst>
         </pc:spChg>
-        <pc:spChg chg="add del mod ord">
-          <ac:chgData name="Oliver Sommer" userId="0b59b8127d68df9a" providerId="LiveId" clId="{09B66530-F92C-4EE2-B114-F11539C37C2A}" dt="2025-05-14T23:26:30.214" v="8333" actId="22"/>
-          <ac:spMkLst>
-            <pc:docMk/>
-            <pc:sldMk cId="1080525341" sldId="264"/>
-            <ac:spMk id="7" creationId="{03AD7CB3-3F57-7C2D-7958-AE8CD9BC34BE}"/>
-          </ac:spMkLst>
-        </pc:spChg>
-        <pc:spChg chg="add del mod ord">
-          <ac:chgData name="Oliver Sommer" userId="0b59b8127d68df9a" providerId="LiveId" clId="{09B66530-F92C-4EE2-B114-F11539C37C2A}" dt="2025-05-14T22:13:10.230" v="8331" actId="22"/>
-          <ac:spMkLst>
-            <pc:docMk/>
-            <pc:sldMk cId="1080525341" sldId="264"/>
-            <ac:spMk id="8" creationId="{66C5C00D-B6C2-34AC-DC0C-EA0316FA8358}"/>
-          </ac:spMkLst>
-        </pc:spChg>
-        <pc:spChg chg="add del mod">
-          <ac:chgData name="Oliver Sommer" userId="0b59b8127d68df9a" providerId="LiveId" clId="{09B66530-F92C-4EE2-B114-F11539C37C2A}" dt="2025-05-14T23:33:13.546" v="8352" actId="22"/>
-          <ac:spMkLst>
-            <pc:docMk/>
-            <pc:sldMk cId="1080525341" sldId="264"/>
-            <ac:spMk id="18" creationId="{A7C9CA8A-ACFE-C265-CB08-F3349B1ECEB8}"/>
-          </ac:spMkLst>
-        </pc:spChg>
         <pc:picChg chg="add mod ord">
           <ac:chgData name="Oliver Sommer" userId="0b59b8127d68df9a" providerId="LiveId" clId="{09B66530-F92C-4EE2-B114-F11539C37C2A}" dt="2025-05-14T23:33:35.840" v="8360" actId="1076"/>
           <ac:picMkLst>
             <pc:docMk/>
             <pc:sldMk cId="1080525341" sldId="264"/>
             <ac:picMk id="10" creationId="{0F03201D-B603-A867-D1CC-1CFC9F9C9FCC}"/>
-          </ac:picMkLst>
-        </pc:picChg>
-        <pc:picChg chg="add del mod ord">
-          <ac:chgData name="Oliver Sommer" userId="0b59b8127d68df9a" providerId="LiveId" clId="{09B66530-F92C-4EE2-B114-F11539C37C2A}" dt="2025-05-14T23:33:06.320" v="8350" actId="478"/>
-          <ac:picMkLst>
-            <pc:docMk/>
-            <pc:sldMk cId="1080525341" sldId="264"/>
-            <ac:picMk id="12" creationId="{D6B912E6-6773-3149-4423-154CCA4212A4}"/>
-          </ac:picMkLst>
-        </pc:picChg>
-        <pc:picChg chg="add del">
-          <ac:chgData name="Oliver Sommer" userId="0b59b8127d68df9a" providerId="LiveId" clId="{09B66530-F92C-4EE2-B114-F11539C37C2A}" dt="2025-05-14T23:32:41.677" v="8348" actId="478"/>
-          <ac:picMkLst>
-            <pc:docMk/>
-            <pc:sldMk cId="1080525341" sldId="264"/>
-            <ac:picMk id="14" creationId="{B2A78620-A164-E15E-7415-7D53F6BCF3A8}"/>
-          </ac:picMkLst>
-        </pc:picChg>
-        <pc:picChg chg="add del mod">
-          <ac:chgData name="Oliver Sommer" userId="0b59b8127d68df9a" providerId="LiveId" clId="{09B66530-F92C-4EE2-B114-F11539C37C2A}" dt="2025-05-14T23:33:15.553" v="8353" actId="478"/>
-          <ac:picMkLst>
-            <pc:docMk/>
-            <pc:sldMk cId="1080525341" sldId="264"/>
-            <ac:picMk id="16" creationId="{0B142A94-6D40-E5B4-DF6F-888739402A23}"/>
           </ac:picMkLst>
         </pc:picChg>
         <pc:picChg chg="add mod ord">
@@ -1447,7 +1063,7 @@
           <a:p>
             <a:fld id="{CD8E0F95-CD26-4956-915A-948FFD920926}" type="datetimeFigureOut">
               <a:rPr lang="de-DE" smtClean="0"/>
-              <a:t>14.05.2025</a:t>
+              <a:t>16.05.2025</a:t>
             </a:fld>
             <a:endParaRPr lang="de-DE"/>
           </a:p>
@@ -10309,7 +9925,7 @@
         <p:spPr>
           <a:xfrm>
             <a:off x="4200121" y="3857025"/>
-            <a:ext cx="727879" cy="369332"/>
+            <a:ext cx="1011955" cy="369332"/>
           </a:xfrm>
           <a:prstGeom prst="rect">
             <a:avLst/>
@@ -10328,7 +9944,7 @@
                   <a:schemeClr val="tx1"/>
                 </a:solidFill>
               </a:rPr>
-              <a:t>WQS</a:t>
+              <a:t>WQAS</a:t>
             </a:r>
             <a:endParaRPr lang="de-DE" dirty="0"/>
           </a:p>
@@ -10685,8 +10301,8 @@
         </p:nvSpPr>
         <p:spPr>
           <a:xfrm>
-            <a:off x="2217864" y="5619631"/>
-            <a:ext cx="7575920" cy="646331"/>
+            <a:off x="1737763" y="5603285"/>
+            <a:ext cx="8536119" cy="646331"/>
           </a:xfrm>
           <a:prstGeom prst="rect">
             <a:avLst/>
@@ -10713,7 +10329,7 @@
             </a:r>
             <a:r>
               <a:rPr lang="de-DE" dirty="0"/>
-              <a:t> Quality System </a:t>
+              <a:t> Quality Analytics System </a:t>
             </a:r>
             <a:r>
               <a:rPr lang="de-DE" dirty="0" err="1"/>
